--- a/HTML5andjQuery.pptx
+++ b/HTML5andjQuery.pptx
@@ -267,7 +267,7 @@
               <a:rPr lang="en-US" smtClean="0">
                 <a:latin typeface="Segoe UI" pitchFamily="34" charset="0"/>
               </a:rPr>
-              <a:t>11/8/2012</a:t>
+              <a:t>11/26/2012</a:t>
             </a:fld>
             <a:endParaRPr lang="en-US" dirty="0">
               <a:latin typeface="Segoe UI" pitchFamily="34" charset="0"/>
@@ -449,7 +449,7 @@
             <a:fld id="{CAE3F082-F902-42D8-A765-720E172C3194}" type="datetimeFigureOut">
               <a:rPr lang="en-US" smtClean="0"/>
               <a:pPr/>
-              <a:t>11/8/2012</a:t>
+              <a:t>11/26/2012</a:t>
             </a:fld>
             <a:endParaRPr lang="en-US" dirty="0"/>
           </a:p>
@@ -720,6 +720,316 @@
     </a:lvl9pPr>
   </p:notesStyle>
 </p:notesMaster>
+</file>
+
+<file path=ppt/notesSlides/notesSlide1.xml><?xml version="1.0" encoding="utf-8"?>
+<p:notes xmlns:a="http://schemas.openxmlformats.org/drawingml/2006/main" xmlns:r="http://schemas.openxmlformats.org/officeDocument/2006/relationships" xmlns:p="http://schemas.openxmlformats.org/presentationml/2006/main">
+  <p:cSld>
+    <p:spTree>
+      <p:nvGrpSpPr>
+        <p:cNvPr id="1" name=""/>
+        <p:cNvGrpSpPr/>
+        <p:nvPr/>
+      </p:nvGrpSpPr>
+      <p:grpSpPr>
+        <a:xfrm>
+          <a:off x="0" y="0"/>
+          <a:ext cx="0" cy="0"/>
+          <a:chOff x="0" y="0"/>
+          <a:chExt cx="0" cy="0"/>
+        </a:xfrm>
+      </p:grpSpPr>
+      <p:sp>
+        <p:nvSpPr>
+          <p:cNvPr id="2" name="Slide Image Placeholder 1"/>
+          <p:cNvSpPr>
+            <a:spLocks noGrp="1" noRot="1" noChangeAspect="1"/>
+          </p:cNvSpPr>
+          <p:nvPr>
+            <p:ph type="sldImg"/>
+          </p:nvPr>
+        </p:nvSpPr>
+        <p:spPr/>
+      </p:sp>
+      <p:sp>
+        <p:nvSpPr>
+          <p:cNvPr id="3" name="Notes Placeholder 2"/>
+          <p:cNvSpPr>
+            <a:spLocks noGrp="1"/>
+          </p:cNvSpPr>
+          <p:nvPr>
+            <p:ph type="body" idx="1"/>
+          </p:nvPr>
+        </p:nvSpPr>
+        <p:spPr/>
+        <p:txBody>
+          <a:bodyPr/>
+          <a:lstStyle/>
+          <a:p>
+            <a:pPr lvl="0"/>
+            <a:r>
+              <a:rPr lang="en-US" sz="1600" kern="1200" dirty="0" smtClean="0">
+                <a:solidFill>
+                  <a:schemeClr val="tx1"/>
+                </a:solidFill>
+                <a:effectLst/>
+                <a:latin typeface="Segoe UI" pitchFamily="34" charset="0"/>
+                <a:ea typeface="+mn-ea"/>
+                <a:cs typeface="+mn-cs"/>
+              </a:rPr>
+              <a:t>Introduction to HTML 5</a:t>
+            </a:r>
+          </a:p>
+          <a:p>
+            <a:pPr lvl="1"/>
+            <a:r>
+              <a:rPr lang="en-US" sz="1600" kern="1200" dirty="0" smtClean="0">
+                <a:solidFill>
+                  <a:schemeClr val="tx1"/>
+                </a:solidFill>
+                <a:effectLst/>
+                <a:latin typeface="Segoe UI" pitchFamily="34" charset="0"/>
+                <a:ea typeface="+mn-ea"/>
+                <a:cs typeface="+mn-cs"/>
+              </a:rPr>
+              <a:t>Slides (5)</a:t>
+            </a:r>
+          </a:p>
+          <a:p>
+            <a:pPr lvl="1"/>
+            <a:r>
+              <a:rPr lang="en-US" sz="1600" kern="1200" dirty="0" smtClean="0">
+                <a:solidFill>
+                  <a:schemeClr val="tx1"/>
+                </a:solidFill>
+                <a:effectLst/>
+                <a:latin typeface="Segoe UI" pitchFamily="34" charset="0"/>
+                <a:ea typeface="+mn-ea"/>
+                <a:cs typeface="+mn-cs"/>
+              </a:rPr>
+              <a:t>Demos [mural.ly </a:t>
+            </a:r>
+            <a:r>
+              <a:rPr lang="en-US" sz="1600" kern="1200" dirty="0" err="1" smtClean="0">
+                <a:solidFill>
+                  <a:schemeClr val="tx1"/>
+                </a:solidFill>
+                <a:effectLst/>
+                <a:latin typeface="Segoe UI" pitchFamily="34" charset="0"/>
+                <a:ea typeface="+mn-ea"/>
+                <a:cs typeface="+mn-cs"/>
+              </a:rPr>
+              <a:t>contre</a:t>
+            </a:r>
+            <a:r>
+              <a:rPr lang="en-US" sz="1600" kern="1200" dirty="0" smtClean="0">
+                <a:solidFill>
+                  <a:schemeClr val="tx1"/>
+                </a:solidFill>
+                <a:effectLst/>
+                <a:latin typeface="Segoe UI" pitchFamily="34" charset="0"/>
+                <a:ea typeface="+mn-ea"/>
+                <a:cs typeface="+mn-cs"/>
+              </a:rPr>
+              <a:t> jour] (5)</a:t>
+            </a:r>
+          </a:p>
+          <a:p>
+            <a:pPr lvl="0"/>
+            <a:r>
+              <a:rPr lang="en-US" sz="1600" kern="1200" dirty="0" smtClean="0">
+                <a:solidFill>
+                  <a:schemeClr val="tx1"/>
+                </a:solidFill>
+                <a:effectLst/>
+                <a:latin typeface="Segoe UI" pitchFamily="34" charset="0"/>
+                <a:ea typeface="+mn-ea"/>
+                <a:cs typeface="+mn-cs"/>
+              </a:rPr>
+              <a:t>Hands on HTML5 in an ASP.NET MVC Application</a:t>
+            </a:r>
+          </a:p>
+          <a:p>
+            <a:pPr lvl="1"/>
+            <a:r>
+              <a:rPr lang="en-US" sz="1600" kern="1200" dirty="0" smtClean="0">
+                <a:solidFill>
+                  <a:schemeClr val="tx1"/>
+                </a:solidFill>
+                <a:effectLst/>
+                <a:latin typeface="Segoe UI" pitchFamily="34" charset="0"/>
+                <a:ea typeface="+mn-ea"/>
+                <a:cs typeface="+mn-cs"/>
+              </a:rPr>
+              <a:t>Responsive design (5)</a:t>
+            </a:r>
+          </a:p>
+          <a:p>
+            <a:pPr lvl="1"/>
+            <a:r>
+              <a:rPr lang="en-US" sz="1600" kern="1200" dirty="0" smtClean="0">
+                <a:solidFill>
+                  <a:schemeClr val="tx1"/>
+                </a:solidFill>
+                <a:effectLst/>
+                <a:latin typeface="Segoe UI" pitchFamily="34" charset="0"/>
+                <a:ea typeface="+mn-ea"/>
+                <a:cs typeface="+mn-cs"/>
+              </a:rPr>
+              <a:t>Semantic markup (5)</a:t>
+            </a:r>
+          </a:p>
+          <a:p>
+            <a:pPr lvl="1"/>
+            <a:r>
+              <a:rPr lang="en-US" sz="1600" kern="1200" dirty="0" smtClean="0">
+                <a:solidFill>
+                  <a:schemeClr val="tx1"/>
+                </a:solidFill>
+                <a:effectLst/>
+                <a:latin typeface="Segoe UI" pitchFamily="34" charset="0"/>
+                <a:ea typeface="+mn-ea"/>
+                <a:cs typeface="+mn-cs"/>
+              </a:rPr>
+              <a:t>Leveraging </a:t>
+            </a:r>
+            <a:r>
+              <a:rPr lang="en-US" sz="1600" kern="1200" dirty="0" err="1" smtClean="0">
+                <a:solidFill>
+                  <a:schemeClr val="tx1"/>
+                </a:solidFill>
+                <a:effectLst/>
+                <a:latin typeface="Segoe UI" pitchFamily="34" charset="0"/>
+                <a:ea typeface="+mn-ea"/>
+                <a:cs typeface="+mn-cs"/>
+              </a:rPr>
+              <a:t>Modernizr</a:t>
+            </a:r>
+            <a:r>
+              <a:rPr lang="en-US" sz="1600" kern="1200" dirty="0" smtClean="0">
+                <a:solidFill>
+                  <a:schemeClr val="tx1"/>
+                </a:solidFill>
+                <a:effectLst/>
+                <a:latin typeface="Segoe UI" pitchFamily="34" charset="0"/>
+                <a:ea typeface="+mn-ea"/>
+                <a:cs typeface="+mn-cs"/>
+              </a:rPr>
+              <a:t> classes (5)</a:t>
+            </a:r>
+          </a:p>
+          <a:p>
+            <a:pPr lvl="0"/>
+            <a:r>
+              <a:rPr lang="en-US" sz="1600" kern="1200" dirty="0" smtClean="0">
+                <a:solidFill>
+                  <a:schemeClr val="tx1"/>
+                </a:solidFill>
+                <a:effectLst/>
+                <a:latin typeface="Segoe UI" pitchFamily="34" charset="0"/>
+                <a:ea typeface="+mn-ea"/>
+                <a:cs typeface="+mn-cs"/>
+              </a:rPr>
+              <a:t>jQuery overview (10)</a:t>
+            </a:r>
+          </a:p>
+          <a:p>
+            <a:pPr lvl="0"/>
+            <a:r>
+              <a:rPr lang="en-US" sz="1600" kern="1200" dirty="0" smtClean="0">
+                <a:solidFill>
+                  <a:schemeClr val="tx1"/>
+                </a:solidFill>
+                <a:effectLst/>
+                <a:latin typeface="Segoe UI" pitchFamily="34" charset="0"/>
+                <a:ea typeface="+mn-ea"/>
+                <a:cs typeface="+mn-cs"/>
+              </a:rPr>
+              <a:t>Visual Studio and Web Essentials tools (10)</a:t>
+            </a:r>
+          </a:p>
+          <a:p>
+            <a:pPr lvl="0"/>
+            <a:r>
+              <a:rPr lang="en-US" sz="1600" kern="1200" dirty="0" smtClean="0">
+                <a:solidFill>
+                  <a:schemeClr val="tx1"/>
+                </a:solidFill>
+                <a:effectLst/>
+                <a:latin typeface="Segoe UI" pitchFamily="34" charset="0"/>
+                <a:ea typeface="+mn-ea"/>
+                <a:cs typeface="+mn-cs"/>
+              </a:rPr>
+              <a:t>SPA Template</a:t>
+            </a:r>
+          </a:p>
+          <a:p>
+            <a:pPr lvl="1"/>
+            <a:r>
+              <a:rPr lang="en-US" sz="1600" kern="1200" dirty="0" smtClean="0">
+                <a:solidFill>
+                  <a:schemeClr val="tx1"/>
+                </a:solidFill>
+                <a:effectLst/>
+                <a:latin typeface="Segoe UI" pitchFamily="34" charset="0"/>
+                <a:ea typeface="+mn-ea"/>
+                <a:cs typeface="+mn-cs"/>
+              </a:rPr>
+              <a:t>Slides [5]</a:t>
+            </a:r>
+          </a:p>
+          <a:p>
+            <a:pPr lvl="1"/>
+            <a:r>
+              <a:rPr lang="en-US" sz="1600" kern="1200" smtClean="0">
+                <a:solidFill>
+                  <a:schemeClr val="tx1"/>
+                </a:solidFill>
+                <a:effectLst/>
+                <a:latin typeface="Segoe UI" pitchFamily="34" charset="0"/>
+                <a:ea typeface="+mn-ea"/>
+                <a:cs typeface="+mn-cs"/>
+              </a:rPr>
+              <a:t>Knockout.js bindings (10)</a:t>
+            </a:r>
+          </a:p>
+        </p:txBody>
+      </p:sp>
+      <p:sp>
+        <p:nvSpPr>
+          <p:cNvPr id="4" name="Slide Number Placeholder 3"/>
+          <p:cNvSpPr>
+            <a:spLocks noGrp="1"/>
+          </p:cNvSpPr>
+          <p:nvPr>
+            <p:ph type="sldNum" sz="quarter" idx="10"/>
+          </p:nvPr>
+        </p:nvSpPr>
+        <p:spPr/>
+        <p:txBody>
+          <a:bodyPr/>
+          <a:lstStyle/>
+          <a:p>
+            <a:fld id="{82AABF77-E2E4-44CA-BA5C-65E132CF08D8}" type="slidenum">
+              <a:rPr lang="en-US" smtClean="0"/>
+              <a:pPr/>
+              <a:t>3</a:t>
+            </a:fld>
+            <a:endParaRPr lang="en-US" dirty="0"/>
+          </a:p>
+        </p:txBody>
+      </p:sp>
+    </p:spTree>
+    <p:extLst>
+      <p:ext uri="{BB962C8B-B14F-4D97-AF65-F5344CB8AC3E}">
+        <p14:creationId xmlns:p14="http://schemas.microsoft.com/office/powerpoint/2010/main" val="3476512797"/>
+      </p:ext>
+    </p:extLst>
+  </p:cSld>
+  <p:clrMapOvr>
+    <a:masterClrMapping/>
+  </p:clrMapOvr>
+</p:notes>
 </file>
 
 <file path=ppt/slideLayouts/slideLayout1.xml><?xml version="1.0" encoding="utf-8"?>
@@ -14276,7 +14586,7 @@
           <a:graphicData uri="http://schemas.openxmlformats.org/presentationml/2006/ole">
             <mc:AlternateContent xmlns:mc="http://schemas.openxmlformats.org/markup-compatibility/2006">
               <mc:Choice xmlns:v="urn:schemas-microsoft-com:vml" Requires="v">
-                <p:oleObj spid="_x0000_s59486" name="think-cell Slide" r:id="rId4" imgW="270" imgH="270" progId="TCLayout.ActiveDocument.1">
+                <p:oleObj spid="_x0000_s59489" name="think-cell Slide" r:id="rId4" imgW="270" imgH="270" progId="TCLayout.ActiveDocument.1">
                   <p:embed/>
                 </p:oleObj>
               </mc:Choice>
@@ -14452,12 +14762,12 @@
           <a:graphicData uri="http://schemas.openxmlformats.org/presentationml/2006/ole">
             <mc:AlternateContent xmlns:mc="http://schemas.openxmlformats.org/markup-compatibility/2006">
               <mc:Choice xmlns:v="urn:schemas-microsoft-com:vml" Requires="v">
-                <p:oleObj spid="_x0000_s23651" name="think-cell Slide" r:id="rId6" imgW="270" imgH="270" progId="TCLayout.ActiveDocument.1">
+                <p:oleObj spid="_x0000_s23654" name="think-cell Slide" r:id="rId7" imgW="270" imgH="270" progId="TCLayout.ActiveDocument.1">
                   <p:embed/>
                 </p:oleObj>
               </mc:Choice>
               <mc:Fallback>
-                <p:oleObj name="think-cell Slide" r:id="rId6" imgW="270" imgH="270" progId="TCLayout.ActiveDocument.1">
+                <p:oleObj name="think-cell Slide" r:id="rId7" imgW="270" imgH="270" progId="TCLayout.ActiveDocument.1">
                   <p:embed/>
                   <p:pic>
                     <p:nvPicPr>
@@ -14466,7 +14776,7 @@
                       <p:nvPr/>
                     </p:nvPicPr>
                     <p:blipFill>
-                      <a:blip r:embed="rId7"/>
+                      <a:blip r:embed="rId8"/>
                       <a:stretch>
                         <a:fillRect/>
                       </a:stretch>
@@ -14528,14 +14838,48 @@
         </p:nvSpPr>
         <p:spPr>
           <a:xfrm>
-            <a:off x="3473804" y="3641568"/>
-            <a:ext cx="6945312" cy="794064"/>
+            <a:off x="3473803" y="1394801"/>
+            <a:ext cx="8194321" cy="5287601"/>
           </a:xfrm>
         </p:spPr>
         <p:txBody>
           <a:bodyPr/>
           <a:lstStyle/>
           <a:p>
+            <a:r>
+              <a:rPr lang="en-US" dirty="0" smtClean="0"/>
+              <a:t>Introduction to HTML5</a:t>
+            </a:r>
+          </a:p>
+          <a:p>
+            <a:r>
+              <a:rPr lang="en-US" dirty="0" smtClean="0"/>
+              <a:t>Hands on HTML5 in MVC 4</a:t>
+            </a:r>
+          </a:p>
+          <a:p>
+            <a:r>
+              <a:rPr lang="en-US" dirty="0" smtClean="0"/>
+              <a:t>jQuery overview</a:t>
+            </a:r>
+          </a:p>
+          <a:p>
+            <a:r>
+              <a:rPr lang="en-US" dirty="0" smtClean="0"/>
+              <a:t>Visual Studio web tools</a:t>
+            </a:r>
+          </a:p>
+          <a:p>
+            <a:r>
+              <a:rPr lang="en-US" dirty="0" smtClean="0"/>
+              <a:t>Web Essentials</a:t>
+            </a:r>
+          </a:p>
+          <a:p>
+            <a:r>
+              <a:rPr lang="en-US" smtClean="0"/>
+              <a:t>SPA Template</a:t>
+            </a:r>
             <a:endParaRPr lang="en-US" dirty="0"/>
           </a:p>
         </p:txBody>
@@ -14614,7 +14958,7 @@
           <a:graphicData uri="http://schemas.openxmlformats.org/presentationml/2006/ole">
             <mc:AlternateContent xmlns:mc="http://schemas.openxmlformats.org/markup-compatibility/2006">
               <mc:Choice xmlns:v="urn:schemas-microsoft-com:vml" Requires="v">
-                <p:oleObj spid="_x0000_s58466" name="think-cell Slide" r:id="rId4" imgW="270" imgH="270" progId="TCLayout.ActiveDocument.1">
+                <p:oleObj spid="_x0000_s58469" name="think-cell Slide" r:id="rId4" imgW="270" imgH="270" progId="TCLayout.ActiveDocument.1">
                   <p:embed/>
                 </p:oleObj>
               </mc:Choice>
@@ -15923,14 +16267,12 @@
 </file>
 
 <file path=customXml/item1.xml><?xml version="1.0" encoding="utf-8"?>
-<p:properties xmlns:p="http://schemas.microsoft.com/office/2006/metadata/properties" xmlns:xsi="http://www.w3.org/2001/XMLSchema-instance" xmlns:pc="http://schemas.microsoft.com/office/infopath/2007/PartnerControls">
-  <documentManagement>
-    <TaxKeywordTaxHTField xmlns="230e9df3-be65-4c73-a93b-d1236ebd677e">
-      <Terms xmlns="http://schemas.microsoft.com/office/infopath/2007/PartnerControls"/>
-    </TaxKeywordTaxHTField>
-    <TaxCatchAll xmlns="230e9df3-be65-4c73-a93b-d1236ebd677e"/>
-  </documentManagement>
-</p:properties>
+<?mso-contentType ?>
+<FormTemplates xmlns="http://schemas.microsoft.com/sharepoint/v3/contenttype/forms">
+  <Display>DocumentLibraryForm</Display>
+  <Edit>DocumentLibraryForm</Edit>
+  <New>DocumentLibraryForm</New>
+</FormTemplates>
 </file>
 
 <file path=customXml/item2.xml><?xml version="1.0" encoding="utf-8"?>
@@ -16086,26 +16428,20 @@
 </file>
 
 <file path=customXml/item3.xml><?xml version="1.0" encoding="utf-8"?>
-<?mso-contentType ?>
-<FormTemplates xmlns="http://schemas.microsoft.com/sharepoint/v3/contenttype/forms">
-  <Display>DocumentLibraryForm</Display>
-  <Edit>DocumentLibraryForm</Edit>
-  <New>DocumentLibraryForm</New>
-</FormTemplates>
+<p:properties xmlns:p="http://schemas.microsoft.com/office/2006/metadata/properties" xmlns:xsi="http://www.w3.org/2001/XMLSchema-instance" xmlns:pc="http://schemas.microsoft.com/office/infopath/2007/PartnerControls">
+  <documentManagement>
+    <TaxKeywordTaxHTField xmlns="230e9df3-be65-4c73-a93b-d1236ebd677e">
+      <Terms xmlns="http://schemas.microsoft.com/office/infopath/2007/PartnerControls"/>
+    </TaxKeywordTaxHTField>
+    <TaxCatchAll xmlns="230e9df3-be65-4c73-a93b-d1236ebd677e"/>
+  </documentManagement>
+</p:properties>
 </file>
 
 <file path=customXml/itemProps1.xml><?xml version="1.0" encoding="utf-8"?>
-<ds:datastoreItem xmlns:ds="http://schemas.openxmlformats.org/officeDocument/2006/customXml" ds:itemID="{69B2F97D-0457-4986-9734-D03EB073C5EA}">
+<ds:datastoreItem xmlns:ds="http://schemas.openxmlformats.org/officeDocument/2006/customXml" ds:itemID="{B882D8D6-9D38-4159-A398-AAC3689D3D7C}">
   <ds:schemaRefs>
-    <ds:schemaRef ds:uri="http://schemas.microsoft.com/office/infopath/2007/PartnerControls"/>
-    <ds:schemaRef ds:uri="http://purl.org/dc/terms/"/>
-    <ds:schemaRef ds:uri="http://schemas.microsoft.com/office/2006/documentManagement/types"/>
-    <ds:schemaRef ds:uri="http://purl.org/dc/elements/1.1/"/>
-    <ds:schemaRef ds:uri="http://schemas.openxmlformats.org/package/2006/metadata/core-properties"/>
-    <ds:schemaRef ds:uri="230e9df3-be65-4c73-a93b-d1236ebd677e"/>
-    <ds:schemaRef ds:uri="http://schemas.microsoft.com/office/2006/metadata/properties"/>
-    <ds:schemaRef ds:uri="http://www.w3.org/XML/1998/namespace"/>
-    <ds:schemaRef ds:uri="http://purl.org/dc/dcmitype/"/>
+    <ds:schemaRef ds:uri="http://schemas.microsoft.com/sharepoint/v3/contenttype/forms"/>
   </ds:schemaRefs>
 </ds:datastoreItem>
 </file>
@@ -16129,9 +16465,17 @@
 </file>
 
 <file path=customXml/itemProps3.xml><?xml version="1.0" encoding="utf-8"?>
-<ds:datastoreItem xmlns:ds="http://schemas.openxmlformats.org/officeDocument/2006/customXml" ds:itemID="{B882D8D6-9D38-4159-A398-AAC3689D3D7C}">
+<ds:datastoreItem xmlns:ds="http://schemas.openxmlformats.org/officeDocument/2006/customXml" ds:itemID="{69B2F97D-0457-4986-9734-D03EB073C5EA}">
   <ds:schemaRefs>
-    <ds:schemaRef ds:uri="http://schemas.microsoft.com/sharepoint/v3/contenttype/forms"/>
+    <ds:schemaRef ds:uri="http://schemas.microsoft.com/office/infopath/2007/PartnerControls"/>
+    <ds:schemaRef ds:uri="http://purl.org/dc/terms/"/>
+    <ds:schemaRef ds:uri="http://schemas.microsoft.com/office/2006/documentManagement/types"/>
+    <ds:schemaRef ds:uri="http://purl.org/dc/elements/1.1/"/>
+    <ds:schemaRef ds:uri="http://schemas.openxmlformats.org/package/2006/metadata/core-properties"/>
+    <ds:schemaRef ds:uri="230e9df3-be65-4c73-a93b-d1236ebd677e"/>
+    <ds:schemaRef ds:uri="http://schemas.microsoft.com/office/2006/metadata/properties"/>
+    <ds:schemaRef ds:uri="http://www.w3.org/XML/1998/namespace"/>
+    <ds:schemaRef ds:uri="http://purl.org/dc/dcmitype/"/>
   </ds:schemaRefs>
 </ds:datastoreItem>
 </file>